--- a/ppt/6_内存管理_交换空间.pptx
+++ b/ppt/6_内存管理_交换空间.pptx
@@ -237,7 +237,7 @@
           <a:p>
             <a:fld id="{25239B2F-0F50-4DD2-AFF0-5AD65435FA39}" type="datetimeFigureOut">
               <a:rPr lang="zh-CN" altLang="en-US" smtClean="0"/>
-              <a:t>2024/04/10</a:t>
+              <a:t>2025/04/21</a:t>
             </a:fld>
             <a:endParaRPr lang="zh-CN" altLang="en-US"/>
           </a:p>
@@ -415,7 +415,7 @@
           <a:p>
             <a:fld id="{F3F10C42-C15F-4A21-90B7-1EA21CFD4452}" type="datetimeFigureOut">
               <a:rPr lang="zh-CN" altLang="en-US" smtClean="0"/>
-              <a:t>2024/04/10</a:t>
+              <a:t>2025/04/21</a:t>
             </a:fld>
             <a:endParaRPr lang="zh-CN" altLang="en-US"/>
           </a:p>
@@ -1014,7 +1014,7 @@
           <a:p>
             <a:fld id="{AE214366-5FB2-49C3-BB65-B979D2FAD098}" type="datetime1">
               <a:rPr lang="zh-CN" altLang="en-US" smtClean="0"/>
-              <a:t>2024/04/10</a:t>
+              <a:t>2025/04/21</a:t>
             </a:fld>
             <a:endParaRPr lang="zh-CN" altLang="en-US"/>
           </a:p>
@@ -1222,7 +1222,7 @@
           <a:p>
             <a:fld id="{04BC6C44-F673-46E9-8025-7385D4D32FDE}" type="datetime1">
               <a:rPr lang="zh-CN" altLang="en-US" smtClean="0"/>
-              <a:t>2024/04/10</a:t>
+              <a:t>2025/04/21</a:t>
             </a:fld>
             <a:endParaRPr lang="zh-CN" altLang="en-US"/>
           </a:p>
@@ -1766,7 +1766,7 @@
           <a:p>
             <a:fld id="{2B70573D-5408-47A7-B81F-E30CA5085A27}" type="datetime1">
               <a:rPr lang="zh-CN" altLang="en-US" smtClean="0"/>
-              <a:t>2024/04/10</a:t>
+              <a:t>2025/04/21</a:t>
             </a:fld>
             <a:endParaRPr lang="zh-CN" altLang="en-US"/>
           </a:p>
@@ -2031,7 +2031,7 @@
           <a:p>
             <a:fld id="{62468019-71FB-4D17-9B3C-F6A5314A34D2}" type="datetime1">
               <a:rPr lang="zh-CN" altLang="en-US" smtClean="0"/>
-              <a:t>2024/04/10</a:t>
+              <a:t>2025/04/21</a:t>
             </a:fld>
             <a:endParaRPr lang="zh-CN" altLang="en-US"/>
           </a:p>
@@ -2443,7 +2443,7 @@
           <a:p>
             <a:fld id="{4AB419BE-49FF-45D0-B257-7BC605413B3A}" type="datetime1">
               <a:rPr lang="zh-CN" altLang="en-US" smtClean="0"/>
-              <a:t>2024/04/10</a:t>
+              <a:t>2025/04/21</a:t>
             </a:fld>
             <a:endParaRPr lang="zh-CN" altLang="en-US"/>
           </a:p>
@@ -2584,7 +2584,7 @@
           <a:p>
             <a:fld id="{6319E9FC-0AA5-46B6-8E94-55EADC6DCFFF}" type="datetime1">
               <a:rPr lang="zh-CN" altLang="en-US" smtClean="0"/>
-              <a:t>2024/04/10</a:t>
+              <a:t>2025/04/21</a:t>
             </a:fld>
             <a:endParaRPr lang="zh-CN" altLang="en-US"/>
           </a:p>
@@ -2697,7 +2697,7 @@
           <a:p>
             <a:fld id="{FCFA6577-5736-496A-8F6D-C0BE13E9BEE0}" type="datetime1">
               <a:rPr lang="zh-CN" altLang="en-US" smtClean="0"/>
-              <a:t>2024/04/10</a:t>
+              <a:t>2025/04/21</a:t>
             </a:fld>
             <a:endParaRPr lang="zh-CN" altLang="en-US"/>
           </a:p>
@@ -3008,7 +3008,7 @@
           <a:p>
             <a:fld id="{10D62EDE-3CF3-4C9B-9666-764136C001DF}" type="datetime1">
               <a:rPr lang="zh-CN" altLang="en-US" smtClean="0"/>
-              <a:t>2024/04/10</a:t>
+              <a:t>2025/04/21</a:t>
             </a:fld>
             <a:endParaRPr lang="zh-CN" altLang="en-US"/>
           </a:p>
@@ -3296,7 +3296,7 @@
           <a:p>
             <a:fld id="{E31DF0E5-AB3E-4E91-8924-10EB10A38894}" type="datetime1">
               <a:rPr lang="zh-CN" altLang="en-US" smtClean="0"/>
-              <a:t>2024/04/10</a:t>
+              <a:t>2025/04/21</a:t>
             </a:fld>
             <a:endParaRPr lang="zh-CN" altLang="en-US"/>
           </a:p>
@@ -3537,7 +3537,7 @@
           <a:p>
             <a:fld id="{2E8DB3C8-7D21-4109-A2E4-E02A745546D7}" type="datetime1">
               <a:rPr lang="zh-CN" altLang="en-US" smtClean="0"/>
-              <a:t>2024/04/10</a:t>
+              <a:t>2025/04/21</a:t>
             </a:fld>
             <a:endParaRPr lang="zh-CN" altLang="en-US"/>
           </a:p>
@@ -5992,8 +5992,8 @@
           </p:sp>
         </mc:Fallback>
       </mc:AlternateContent>
-      <mc:AlternateContent xmlns:mc="http://schemas.openxmlformats.org/markup-compatibility/2006" xmlns:a14="http://schemas.microsoft.com/office/drawing/2010/main">
-        <mc:Choice Requires="a14">
+      <mc:AlternateContent xmlns:mc="http://schemas.openxmlformats.org/markup-compatibility/2006">
+        <mc:Choice xmlns:a14="http://schemas.microsoft.com/office/drawing/2010/main" Requires="a14">
           <p:sp>
             <p:nvSpPr>
               <p:cNvPr id="7" name="文本框 6">
@@ -6107,7 +6107,7 @@
                           <a:latin typeface="Cambria Math" panose="02040503050406030204" pitchFamily="18" charset="0"/>
                           <a:ea typeface="Cambria Math" panose="02040503050406030204" pitchFamily="18" charset="0"/>
                         </a:rPr>
-                        <m:t>=1.0009</m:t>
+                        <m:t>=1.00009</m:t>
                       </m:r>
                       <m:r>
                         <a:rPr lang="en-US" altLang="zh-CN" sz="2400" b="0" i="1" smtClean="0">
@@ -6126,7 +6126,7 @@
             </p:txBody>
           </p:sp>
         </mc:Choice>
-        <mc:Fallback xmlns="">
+        <mc:Fallback>
           <p:sp>
             <p:nvSpPr>
               <p:cNvPr id="7" name="文本框 6">
